--- a/Бухгалтерия/Документы/Сравнение ИП и ООО.pptx
+++ b/Бухгалтерия/Документы/Сравнение ИП и ООО.pptx
@@ -202,7 +202,7 @@
           <a:p>
             <a:fld id="{3437FC46-C0FF-40B5-9B32-5278CD51CA31}" type="datetimeFigureOut">
               <a:rPr lang="ru-RU" smtClean="0"/>
-              <a:t>18.09.2024</a:t>
+              <a:t>13.02.2025</a:t>
             </a:fld>
             <a:endParaRPr lang="ru-RU"/>
           </a:p>
@@ -721,7 +721,7 @@
           <a:p>
             <a:fld id="{56233AFF-DA77-482B-8635-87318E97C1F9}" type="datetimeFigureOut">
               <a:rPr lang="ru-RU" smtClean="0"/>
-              <a:t>18.09.2024</a:t>
+              <a:t>13.02.2025</a:t>
             </a:fld>
             <a:endParaRPr lang="ru-RU"/>
           </a:p>
@@ -889,7 +889,7 @@
           <a:p>
             <a:fld id="{56233AFF-DA77-482B-8635-87318E97C1F9}" type="datetimeFigureOut">
               <a:rPr lang="ru-RU" smtClean="0"/>
-              <a:t>18.09.2024</a:t>
+              <a:t>13.02.2025</a:t>
             </a:fld>
             <a:endParaRPr lang="ru-RU"/>
           </a:p>
@@ -1067,7 +1067,7 @@
           <a:p>
             <a:fld id="{56233AFF-DA77-482B-8635-87318E97C1F9}" type="datetimeFigureOut">
               <a:rPr lang="ru-RU" smtClean="0"/>
-              <a:t>18.09.2024</a:t>
+              <a:t>13.02.2025</a:t>
             </a:fld>
             <a:endParaRPr lang="ru-RU"/>
           </a:p>
@@ -1235,7 +1235,7 @@
           <a:p>
             <a:fld id="{56233AFF-DA77-482B-8635-87318E97C1F9}" type="datetimeFigureOut">
               <a:rPr lang="ru-RU" smtClean="0"/>
-              <a:t>18.09.2024</a:t>
+              <a:t>13.02.2025</a:t>
             </a:fld>
             <a:endParaRPr lang="ru-RU"/>
           </a:p>
@@ -1480,7 +1480,7 @@
           <a:p>
             <a:fld id="{56233AFF-DA77-482B-8635-87318E97C1F9}" type="datetimeFigureOut">
               <a:rPr lang="ru-RU" smtClean="0"/>
-              <a:t>18.09.2024</a:t>
+              <a:t>13.02.2025</a:t>
             </a:fld>
             <a:endParaRPr lang="ru-RU"/>
           </a:p>
@@ -1709,7 +1709,7 @@
           <a:p>
             <a:fld id="{56233AFF-DA77-482B-8635-87318E97C1F9}" type="datetimeFigureOut">
               <a:rPr lang="ru-RU" smtClean="0"/>
-              <a:t>18.09.2024</a:t>
+              <a:t>13.02.2025</a:t>
             </a:fld>
             <a:endParaRPr lang="ru-RU"/>
           </a:p>
@@ -2073,7 +2073,7 @@
           <a:p>
             <a:fld id="{56233AFF-DA77-482B-8635-87318E97C1F9}" type="datetimeFigureOut">
               <a:rPr lang="ru-RU" smtClean="0"/>
-              <a:t>18.09.2024</a:t>
+              <a:t>13.02.2025</a:t>
             </a:fld>
             <a:endParaRPr lang="ru-RU"/>
           </a:p>
@@ -2190,7 +2190,7 @@
           <a:p>
             <a:fld id="{56233AFF-DA77-482B-8635-87318E97C1F9}" type="datetimeFigureOut">
               <a:rPr lang="ru-RU" smtClean="0"/>
-              <a:t>18.09.2024</a:t>
+              <a:t>13.02.2025</a:t>
             </a:fld>
             <a:endParaRPr lang="ru-RU"/>
           </a:p>
@@ -2285,7 +2285,7 @@
           <a:p>
             <a:fld id="{56233AFF-DA77-482B-8635-87318E97C1F9}" type="datetimeFigureOut">
               <a:rPr lang="ru-RU" smtClean="0"/>
-              <a:t>18.09.2024</a:t>
+              <a:t>13.02.2025</a:t>
             </a:fld>
             <a:endParaRPr lang="ru-RU"/>
           </a:p>
@@ -2560,7 +2560,7 @@
           <a:p>
             <a:fld id="{56233AFF-DA77-482B-8635-87318E97C1F9}" type="datetimeFigureOut">
               <a:rPr lang="ru-RU" smtClean="0"/>
-              <a:t>18.09.2024</a:t>
+              <a:t>13.02.2025</a:t>
             </a:fld>
             <a:endParaRPr lang="ru-RU"/>
           </a:p>
@@ -2812,7 +2812,7 @@
           <a:p>
             <a:fld id="{56233AFF-DA77-482B-8635-87318E97C1F9}" type="datetimeFigureOut">
               <a:rPr lang="ru-RU" smtClean="0"/>
-              <a:t>18.09.2024</a:t>
+              <a:t>13.02.2025</a:t>
             </a:fld>
             <a:endParaRPr lang="ru-RU"/>
           </a:p>
@@ -3023,7 +3023,7 @@
           <a:p>
             <a:fld id="{56233AFF-DA77-482B-8635-87318E97C1F9}" type="datetimeFigureOut">
               <a:rPr lang="ru-RU" smtClean="0"/>
-              <a:t>18.09.2024</a:t>
+              <a:t>13.02.2025</a:t>
             </a:fld>
             <a:endParaRPr lang="ru-RU"/>
           </a:p>
@@ -6833,7 +6833,7 @@
           <p:nvPr>
             <p:extLst>
               <p:ext uri="{D42A27DB-BD31-4B8C-83A1-F6EECF244321}">
-                <p14:modId xmlns:p14="http://schemas.microsoft.com/office/powerpoint/2010/main" val="1271722426"/>
+                <p14:modId xmlns:p14="http://schemas.microsoft.com/office/powerpoint/2010/main" val="3618441050"/>
               </p:ext>
             </p:extLst>
           </p:nvPr>
@@ -7220,13 +7220,13 @@
                           <a:ea typeface="+mn-ea"/>
                           <a:cs typeface="Times New Roman" pitchFamily="18" charset="0"/>
                         </a:rPr>
-                        <a:t>Распоряжаться полученными средства-ми предприниматель может как угодно, при условии своевременной уплаты налогов и взносов. </a:t>
+                        <a:t>Распоряжаться полученными средствами предприниматель может как угодно, при условии своевременной уплаты налогов и взносов. </a:t>
                       </a:r>
                     </a:p>
                     <a:p>
                       <a:pPr marL="0" algn="ctr" defTabSz="914400" rtl="0" eaLnBrk="1" latinLnBrk="0" hangingPunct="1"/>
                       <a:r>
-                        <a:rPr lang="ru-RU" sz="2100" b="1" kern="1200">
+                        <a:rPr lang="ru-RU" sz="2100" b="1" kern="1200" dirty="0">
                           <a:solidFill>
                             <a:srgbClr val="00B050"/>
                           </a:solidFill>
